--- a/docs/praesi_04_Advanced_Eng.pptx
+++ b/docs/praesi_04_Advanced_Eng.pptx
@@ -13,9 +13,9 @@
   <p:sldIdLst>
     <p:sldId id="348" r:id="rId2"/>
     <p:sldId id="385" r:id="rId3"/>
-    <p:sldId id="400" r:id="rId4"/>
-    <p:sldId id="364" r:id="rId5"/>
-    <p:sldId id="402" r:id="rId6"/>
+    <p:sldId id="364" r:id="rId4"/>
+    <p:sldId id="402" r:id="rId5"/>
+    <p:sldId id="400" r:id="rId6"/>
     <p:sldId id="397" r:id="rId7"/>
     <p:sldId id="398" r:id="rId8"/>
     <p:sldId id="401" r:id="rId9"/>
@@ -234,7 +234,7 @@
             <a:pPr rtl="0"/>
             <a:fld id="{07CFCBDB-CE23-4A46-8A7E-6C2C614BBF12}" type="datetime1">
               <a:rPr lang="de-DE" smtClean="0"/>
-              <a:t>24.11.2022</a:t>
+              <a:t>25.11.2022</a:t>
             </a:fld>
             <a:endParaRPr lang="de-DE"/>
           </a:p>
@@ -416,7 +416,7 @@
             <a:fld id="{8A4D433C-8C94-4438-9FB2-5160324843B4}" type="datetime1">
               <a:rPr lang="de-DE" smtClean="0"/>
               <a:pPr/>
-              <a:t>24.11.2022</a:t>
+              <a:t>25.11.2022</a:t>
             </a:fld>
             <a:endParaRPr lang="de-DE"/>
           </a:p>
@@ -903,23 +903,7 @@
           <a:bodyPr/>
           <a:lstStyle/>
           <a:p>
-            <a:r>
-              <a:rPr lang="de-DE" dirty="0" err="1"/>
-              <a:t>Codebase</a:t>
-            </a:r>
-            <a:r>
-              <a:rPr lang="de-DE" dirty="0"/>
-              <a:t>-Stand immer aktuell</a:t>
-            </a:r>
-          </a:p>
-          <a:p>
-            <a:endParaRPr lang="de-DE" dirty="0"/>
-          </a:p>
-          <a:p>
-            <a:r>
-              <a:rPr lang="de-DE" dirty="0"/>
-              <a:t>Automatische API-Dokumentation durch Anmerkungen im Code</a:t>
-            </a:r>
+            <a:endParaRPr lang="de-DE"/>
           </a:p>
         </p:txBody>
       </p:sp>
@@ -950,7 +934,7 @@
     </p:spTree>
     <p:extLst>
       <p:ext uri="{BB962C8B-B14F-4D97-AF65-F5344CB8AC3E}">
-        <p14:creationId xmlns:p14="http://schemas.microsoft.com/office/powerpoint/2010/main" val="1652865395"/>
+        <p14:creationId xmlns:p14="http://schemas.microsoft.com/office/powerpoint/2010/main" val="1531661437"/>
       </p:ext>
     </p:extLst>
   </p:cSld>
@@ -1004,7 +988,7 @@
           <a:bodyPr/>
           <a:lstStyle/>
           <a:p>
-            <a:endParaRPr lang="de-DE"/>
+            <a:endParaRPr lang="de-DE" dirty="0"/>
           </a:p>
         </p:txBody>
       </p:sp>
@@ -1035,7 +1019,7 @@
     </p:spTree>
     <p:extLst>
       <p:ext uri="{BB962C8B-B14F-4D97-AF65-F5344CB8AC3E}">
-        <p14:creationId xmlns:p14="http://schemas.microsoft.com/office/powerpoint/2010/main" val="1531661437"/>
+        <p14:creationId xmlns:p14="http://schemas.microsoft.com/office/powerpoint/2010/main" val="3609546564"/>
       </p:ext>
     </p:extLst>
   </p:cSld>
@@ -1089,7 +1073,23 @@
           <a:bodyPr/>
           <a:lstStyle/>
           <a:p>
+            <a:r>
+              <a:rPr lang="de-DE" dirty="0" err="1"/>
+              <a:t>Codebase</a:t>
+            </a:r>
+            <a:r>
+              <a:rPr lang="de-DE" dirty="0"/>
+              <a:t>-Stand immer aktuell</a:t>
+            </a:r>
+          </a:p>
+          <a:p>
             <a:endParaRPr lang="de-DE" dirty="0"/>
+          </a:p>
+          <a:p>
+            <a:r>
+              <a:rPr lang="de-DE" dirty="0"/>
+              <a:t>Automatische API-Dokumentation durch Anmerkungen im Code</a:t>
+            </a:r>
           </a:p>
         </p:txBody>
       </p:sp>
@@ -1120,7 +1120,7 @@
     </p:spTree>
     <p:extLst>
       <p:ext uri="{BB962C8B-B14F-4D97-AF65-F5344CB8AC3E}">
-        <p14:creationId xmlns:p14="http://schemas.microsoft.com/office/powerpoint/2010/main" val="3609546564"/>
+        <p14:creationId xmlns:p14="http://schemas.microsoft.com/office/powerpoint/2010/main" val="1652865395"/>
       </p:ext>
     </p:extLst>
   </p:cSld>
@@ -29465,7 +29465,7 @@
             <a:pPr rtl="0"/>
             <a:fld id="{6337A45D-1E15-438C-9090-998E3A40A1C9}" type="datetime1">
               <a:rPr lang="de-DE" noProof="0" smtClean="0"/>
-              <a:t>24.11.2022</a:t>
+              <a:t>25.11.2022</a:t>
             </a:fld>
             <a:endParaRPr lang="de-DE" noProof="0"/>
           </a:p>
@@ -30204,9 +30204,10 @@
           </a:lstStyle>
           <a:p>
             <a:r>
-              <a:rPr lang="de-DE" sz="2400" dirty="0"/>
-              <a:t>Präsentation 3</a:t>
-            </a:r>
+              <a:rPr lang="de-DE" sz="2400"/>
+              <a:t>Präsentation 4</a:t>
+            </a:r>
+            <a:endParaRPr lang="de-DE" sz="2400" dirty="0"/>
           </a:p>
         </p:txBody>
       </p:sp>
@@ -31107,148 +31108,79 @@
                   <a:schemeClr val="tx1"/>
                 </a:solidFill>
               </a:rPr>
-              <a:t> </a:t>
-            </a:r>
-            <a:r>
-              <a:rPr lang="de-DE" sz="4000" dirty="0">
-                <a:solidFill>
-                  <a:schemeClr val="tx1"/>
-                </a:solidFill>
-              </a:rPr>
-              <a:t>Konsistenz bei User Entfernung</a:t>
-            </a:r>
-          </a:p>
-        </p:txBody>
-      </p:sp>
-      <p:sp>
-        <p:nvSpPr>
-          <p:cNvPr id="4" name="Textfeld 3">
-            <a:extLst>
-              <a:ext uri="{FF2B5EF4-FFF2-40B4-BE49-F238E27FC236}">
-                <a16:creationId xmlns:a16="http://schemas.microsoft.com/office/drawing/2014/main" id="{B976F067-351F-BFEC-4974-84A09ADA5113}"/>
-              </a:ext>
-            </a:extLst>
-          </p:cNvPr>
-          <p:cNvSpPr txBox="1"/>
+              <a:t>Status-Diagramm</a:t>
+            </a:r>
+          </a:p>
+        </p:txBody>
+      </p:sp>
+      <p:pic>
+        <p:nvPicPr>
+          <p:cNvPr id="9" name="Grafik 9">
+            <a:extLst>
+              <a:ext uri="{FF2B5EF4-FFF2-40B4-BE49-F238E27FC236}">
+                <a16:creationId xmlns:a16="http://schemas.microsoft.com/office/drawing/2014/main" id="{5420643B-9874-97E2-80D9-D5C5F60BB7C9}"/>
+              </a:ext>
+            </a:extLst>
+          </p:cNvPr>
+          <p:cNvPicPr>
+            <a:picLocks noGrp="1" noChangeAspect="1"/>
+          </p:cNvPicPr>
+          <p:nvPr>
+            <p:ph type="pic" sz="quarter" idx="10"/>
+          </p:nvPr>
+        </p:nvPicPr>
+        <p:blipFill rotWithShape="1">
+          <a:blip r:embed="rId3" cstate="screen">
+            <a:extLst>
+              <a:ext uri="{28A0092B-C50C-407E-A947-70E740481C1C}">
+                <a14:useLocalDpi xmlns:a14="http://schemas.microsoft.com/office/drawing/2010/main"/>
+              </a:ext>
+            </a:extLst>
+          </a:blip>
+          <a:srcRect l="8740" r="15094" b="-102"/>
+          <a:stretch/>
+        </p:blipFill>
+        <p:spPr>
+          <a:xfrm>
+            <a:off x="0" y="-6991"/>
+            <a:ext cx="2817091" cy="6878950"/>
+          </a:xfrm>
+        </p:spPr>
+      </p:pic>
+      <p:pic>
+        <p:nvPicPr>
+          <p:cNvPr id="5" name="Grafik 4" descr="Ein Bild, das Text enthält.&#10;&#10;Automatisch generierte Beschreibung">
+            <a:extLst>
+              <a:ext uri="{FF2B5EF4-FFF2-40B4-BE49-F238E27FC236}">
+                <a16:creationId xmlns:a16="http://schemas.microsoft.com/office/drawing/2014/main" id="{638EC95A-7FA1-952F-FA13-175E6258D1F7}"/>
+              </a:ext>
+            </a:extLst>
+          </p:cNvPr>
+          <p:cNvPicPr>
+            <a:picLocks noChangeAspect="1"/>
+          </p:cNvPicPr>
           <p:nvPr/>
-        </p:nvSpPr>
-        <p:spPr>
-          <a:xfrm>
-            <a:off x="4148432" y="2852928"/>
-            <a:ext cx="7784487" cy="2950038"/>
+        </p:nvPicPr>
+        <p:blipFill>
+          <a:blip r:embed="rId4"/>
+          <a:stretch>
+            <a:fillRect/>
+          </a:stretch>
+        </p:blipFill>
+        <p:spPr>
+          <a:xfrm>
+            <a:off x="3399415" y="2241698"/>
+            <a:ext cx="8201025" cy="3257550"/>
           </a:xfrm>
           <a:prstGeom prst="rect">
             <a:avLst/>
           </a:prstGeom>
-          <a:noFill/>
-        </p:spPr>
-        <p:txBody>
-          <a:bodyPr wrap="square" rtlCol="0">
-            <a:spAutoFit/>
-          </a:bodyPr>
-          <a:lstStyle/>
-          <a:p>
-            <a:pPr marL="285750" indent="-285750">
-              <a:lnSpc>
-                <a:spcPct val="150000"/>
-              </a:lnSpc>
-              <a:buFont typeface="Arial" panose="020B0604020202020204" pitchFamily="34" charset="0"/>
-              <a:buChar char="•"/>
-            </a:pPr>
-            <a:r>
-              <a:rPr lang="de-DE" dirty="0"/>
-              <a:t>Entfernung des Datenbank Eintrages</a:t>
-            </a:r>
-          </a:p>
-          <a:p>
-            <a:pPr marL="285750" indent="-285750">
-              <a:lnSpc>
-                <a:spcPct val="150000"/>
-              </a:lnSpc>
-              <a:buFont typeface="Arial" panose="020B0604020202020204" pitchFamily="34" charset="0"/>
-              <a:buChar char="•"/>
-            </a:pPr>
-            <a:r>
-              <a:rPr lang="de-DE" dirty="0"/>
-              <a:t>Betroffene Komponenten</a:t>
-            </a:r>
-          </a:p>
-          <a:p>
-            <a:pPr marL="742950" lvl="1" indent="-285750">
-              <a:lnSpc>
-                <a:spcPct val="150000"/>
-              </a:lnSpc>
-              <a:buFont typeface="Arial" panose="020B0604020202020204" pitchFamily="34" charset="0"/>
-              <a:buChar char="•"/>
-            </a:pPr>
-            <a:r>
-              <a:rPr lang="de-DE" dirty="0"/>
-              <a:t>Einkaufsliste – wird gelöscht, nicht zwischen Usern geteilt, Konsistenz bleibt erhalten</a:t>
-            </a:r>
-          </a:p>
-          <a:p>
-            <a:pPr marL="742950" lvl="1" indent="-285750">
-              <a:lnSpc>
-                <a:spcPct val="150000"/>
-              </a:lnSpc>
-              <a:buFont typeface="Arial" panose="020B0604020202020204" pitchFamily="34" charset="0"/>
-              <a:buChar char="•"/>
-            </a:pPr>
-            <a:r>
-              <a:rPr lang="de-DE" dirty="0"/>
-              <a:t>Bewertung -  Ersetzung des Erstellers durch „Entfernter Benutzer“ für saubere Trennung </a:t>
-            </a:r>
-          </a:p>
-          <a:p>
-            <a:pPr marL="742950" lvl="1" indent="-285750">
-              <a:lnSpc>
-                <a:spcPct val="150000"/>
-              </a:lnSpc>
-              <a:buFont typeface="Arial" panose="020B0604020202020204" pitchFamily="34" charset="0"/>
-              <a:buChar char="•"/>
-            </a:pPr>
-            <a:endParaRPr lang="de-DE" dirty="0"/>
-          </a:p>
-        </p:txBody>
-      </p:sp>
-      <p:pic>
-        <p:nvPicPr>
-          <p:cNvPr id="9" name="Grafik 9" descr="Indisches Essen Bestellen in Stuttgart | Vinayaga">
-            <a:extLst>
-              <a:ext uri="{FF2B5EF4-FFF2-40B4-BE49-F238E27FC236}">
-                <a16:creationId xmlns:a16="http://schemas.microsoft.com/office/drawing/2014/main" id="{5420643B-9874-97E2-80D9-D5C5F60BB7C9}"/>
-              </a:ext>
-            </a:extLst>
-          </p:cNvPr>
-          <p:cNvPicPr>
-            <a:picLocks noGrp="1" noChangeAspect="1"/>
-          </p:cNvPicPr>
-          <p:nvPr>
-            <p:ph type="pic" sz="quarter" idx="10"/>
-          </p:nvPr>
-        </p:nvPicPr>
-        <p:blipFill rotWithShape="1">
-          <a:blip r:embed="rId3" cstate="screen">
-            <a:extLst>
-              <a:ext uri="{28A0092B-C50C-407E-A947-70E740481C1C}">
-                <a14:useLocalDpi xmlns:a14="http://schemas.microsoft.com/office/drawing/2010/main"/>
-              </a:ext>
-            </a:extLst>
-          </a:blip>
-          <a:srcRect/>
-          <a:stretch/>
-        </p:blipFill>
-        <p:spPr>
-          <a:xfrm>
-            <a:off x="0" y="-6991"/>
-            <a:ext cx="3692590" cy="6871948"/>
-          </a:xfrm>
         </p:spPr>
       </p:pic>
     </p:spTree>
     <p:extLst>
       <p:ext uri="{BB962C8B-B14F-4D97-AF65-F5344CB8AC3E}">
-        <p14:creationId xmlns:p14="http://schemas.microsoft.com/office/powerpoint/2010/main" val="148049718"/>
+        <p14:creationId xmlns:p14="http://schemas.microsoft.com/office/powerpoint/2010/main" val="4139743588"/>
       </p:ext>
     </p:extLst>
   </p:cSld>
@@ -31317,14 +31249,14 @@
                   <a:schemeClr val="tx1"/>
                 </a:solidFill>
               </a:rPr>
-              <a:t>Status-Diagramm</a:t>
+              <a:t>Aktivitäts-Diagramm</a:t>
             </a:r>
           </a:p>
         </p:txBody>
       </p:sp>
       <p:pic>
         <p:nvPicPr>
-          <p:cNvPr id="9" name="Grafik 9">
+          <p:cNvPr id="9" name="Grafik 9" descr="Ein Bild, das Pizza, Essen, Gericht enthält.&#10;&#10;Beschreibung automatisch generiert.">
             <a:extLst>
               <a:ext uri="{FF2B5EF4-FFF2-40B4-BE49-F238E27FC236}">
                 <a16:creationId xmlns:a16="http://schemas.microsoft.com/office/drawing/2014/main" id="{5420643B-9874-97E2-80D9-D5C5F60BB7C9}"/>
@@ -31346,22 +31278,22 @@
               </a:ext>
             </a:extLst>
           </a:blip>
-          <a:srcRect l="8740" r="15094" b="-102"/>
+          <a:srcRect t="-102" r="25210" b="-102"/>
           <a:stretch/>
         </p:blipFill>
         <p:spPr>
           <a:xfrm>
             <a:off x="0" y="-6991"/>
-            <a:ext cx="2817091" cy="6878950"/>
+            <a:ext cx="2761673" cy="6871948"/>
           </a:xfrm>
         </p:spPr>
       </p:pic>
       <p:pic>
         <p:nvPicPr>
-          <p:cNvPr id="5" name="Grafik 4" descr="Ein Bild, das Text enthält.&#10;&#10;Automatisch generierte Beschreibung">
-            <a:extLst>
-              <a:ext uri="{FF2B5EF4-FFF2-40B4-BE49-F238E27FC236}">
-                <a16:creationId xmlns:a16="http://schemas.microsoft.com/office/drawing/2014/main" id="{638EC95A-7FA1-952F-FA13-175E6258D1F7}"/>
+          <p:cNvPr id="7" name="Grafik 6" descr="Ein Bild, das Text enthält.&#10;&#10;Automatisch generierte Beschreibung">
+            <a:extLst>
+              <a:ext uri="{FF2B5EF4-FFF2-40B4-BE49-F238E27FC236}">
+                <a16:creationId xmlns:a16="http://schemas.microsoft.com/office/drawing/2014/main" id="{9BF6E7E4-B323-17A7-15DD-9A22E75C25E5}"/>
               </a:ext>
             </a:extLst>
           </p:cNvPr>
@@ -31378,8 +31310,8 @@
         </p:blipFill>
         <p:spPr>
           <a:xfrm>
-            <a:off x="3399415" y="2241698"/>
-            <a:ext cx="8201025" cy="3257550"/>
+            <a:off x="3092866" y="2416811"/>
+            <a:ext cx="8792198" cy="2679783"/>
           </a:xfrm>
           <a:prstGeom prst="rect">
             <a:avLst/>
@@ -31389,7 +31321,7 @@
     </p:spTree>
     <p:extLst>
       <p:ext uri="{BB962C8B-B14F-4D97-AF65-F5344CB8AC3E}">
-        <p14:creationId xmlns:p14="http://schemas.microsoft.com/office/powerpoint/2010/main" val="4139743588"/>
+        <p14:creationId xmlns:p14="http://schemas.microsoft.com/office/powerpoint/2010/main" val="3724958302"/>
       </p:ext>
     </p:extLst>
   </p:cSld>
@@ -31458,14 +31390,113 @@
                   <a:schemeClr val="tx1"/>
                 </a:solidFill>
               </a:rPr>
-              <a:t>Aktivitäts-Diagramm</a:t>
-            </a:r>
+              <a:t> </a:t>
+            </a:r>
+            <a:r>
+              <a:rPr lang="de-DE" sz="4000" dirty="0">
+                <a:solidFill>
+                  <a:schemeClr val="tx1"/>
+                </a:solidFill>
+              </a:rPr>
+              <a:t>Konsistenz bei User Entfernung</a:t>
+            </a:r>
+          </a:p>
+        </p:txBody>
+      </p:sp>
+      <p:sp>
+        <p:nvSpPr>
+          <p:cNvPr id="4" name="Textfeld 3">
+            <a:extLst>
+              <a:ext uri="{FF2B5EF4-FFF2-40B4-BE49-F238E27FC236}">
+                <a16:creationId xmlns:a16="http://schemas.microsoft.com/office/drawing/2014/main" id="{B976F067-351F-BFEC-4974-84A09ADA5113}"/>
+              </a:ext>
+            </a:extLst>
+          </p:cNvPr>
+          <p:cNvSpPr txBox="1"/>
+          <p:nvPr/>
+        </p:nvSpPr>
+        <p:spPr>
+          <a:xfrm>
+            <a:off x="4148432" y="2852928"/>
+            <a:ext cx="7784487" cy="2950038"/>
+          </a:xfrm>
+          <a:prstGeom prst="rect">
+            <a:avLst/>
+          </a:prstGeom>
+          <a:noFill/>
+        </p:spPr>
+        <p:txBody>
+          <a:bodyPr wrap="square" rtlCol="0">
+            <a:spAutoFit/>
+          </a:bodyPr>
+          <a:lstStyle/>
+          <a:p>
+            <a:pPr marL="285750" indent="-285750">
+              <a:lnSpc>
+                <a:spcPct val="150000"/>
+              </a:lnSpc>
+              <a:buFont typeface="Arial" panose="020B0604020202020204" pitchFamily="34" charset="0"/>
+              <a:buChar char="•"/>
+            </a:pPr>
+            <a:r>
+              <a:rPr lang="de-DE" dirty="0"/>
+              <a:t>Entfernung des Datenbank Eintrages</a:t>
+            </a:r>
+          </a:p>
+          <a:p>
+            <a:pPr marL="285750" indent="-285750">
+              <a:lnSpc>
+                <a:spcPct val="150000"/>
+              </a:lnSpc>
+              <a:buFont typeface="Arial" panose="020B0604020202020204" pitchFamily="34" charset="0"/>
+              <a:buChar char="•"/>
+            </a:pPr>
+            <a:r>
+              <a:rPr lang="de-DE" dirty="0"/>
+              <a:t>Betroffene Komponenten</a:t>
+            </a:r>
+          </a:p>
+          <a:p>
+            <a:pPr marL="742950" lvl="1" indent="-285750">
+              <a:lnSpc>
+                <a:spcPct val="150000"/>
+              </a:lnSpc>
+              <a:buFont typeface="Arial" panose="020B0604020202020204" pitchFamily="34" charset="0"/>
+              <a:buChar char="•"/>
+            </a:pPr>
+            <a:r>
+              <a:rPr lang="de-DE" dirty="0"/>
+              <a:t>Einkaufsliste – wird gelöscht, nicht zwischen Usern geteilt, Konsistenz bleibt erhalten</a:t>
+            </a:r>
+          </a:p>
+          <a:p>
+            <a:pPr marL="742950" lvl="1" indent="-285750">
+              <a:lnSpc>
+                <a:spcPct val="150000"/>
+              </a:lnSpc>
+              <a:buFont typeface="Arial" panose="020B0604020202020204" pitchFamily="34" charset="0"/>
+              <a:buChar char="•"/>
+            </a:pPr>
+            <a:r>
+              <a:rPr lang="de-DE" dirty="0"/>
+              <a:t>Bewertung -  Ersetzung des Erstellers durch „Entfernter Benutzer“ für saubere Trennung </a:t>
+            </a:r>
+          </a:p>
+          <a:p>
+            <a:pPr marL="742950" lvl="1" indent="-285750">
+              <a:lnSpc>
+                <a:spcPct val="150000"/>
+              </a:lnSpc>
+              <a:buFont typeface="Arial" panose="020B0604020202020204" pitchFamily="34" charset="0"/>
+              <a:buChar char="•"/>
+            </a:pPr>
+            <a:endParaRPr lang="de-DE" dirty="0"/>
           </a:p>
         </p:txBody>
       </p:sp>
       <p:pic>
         <p:nvPicPr>
-          <p:cNvPr id="9" name="Grafik 9" descr="Ein Bild, das Pizza, Essen, Gericht enthält.&#10;&#10;Beschreibung automatisch generiert.">
+          <p:cNvPr id="9" name="Grafik 9" descr="Indisches Essen Bestellen in Stuttgart | Vinayaga">
             <a:extLst>
               <a:ext uri="{FF2B5EF4-FFF2-40B4-BE49-F238E27FC236}">
                 <a16:creationId xmlns:a16="http://schemas.microsoft.com/office/drawing/2014/main" id="{5420643B-9874-97E2-80D9-D5C5F60BB7C9}"/>
@@ -31487,50 +31518,20 @@
               </a:ext>
             </a:extLst>
           </a:blip>
-          <a:srcRect t="-102" r="25210" b="-102"/>
+          <a:srcRect l="10000" r="14520"/>
           <a:stretch/>
         </p:blipFill>
         <p:spPr>
           <a:xfrm>
             <a:off x="0" y="-6991"/>
-            <a:ext cx="2761673" cy="6871948"/>
-          </a:xfrm>
-        </p:spPr>
-      </p:pic>
-      <p:pic>
-        <p:nvPicPr>
-          <p:cNvPr id="7" name="Grafik 6" descr="Ein Bild, das Text enthält.&#10;&#10;Automatisch generierte Beschreibung">
-            <a:extLst>
-              <a:ext uri="{FF2B5EF4-FFF2-40B4-BE49-F238E27FC236}">
-                <a16:creationId xmlns:a16="http://schemas.microsoft.com/office/drawing/2014/main" id="{9BF6E7E4-B323-17A7-15DD-9A22E75C25E5}"/>
-              </a:ext>
-            </a:extLst>
-          </p:cNvPr>
-          <p:cNvPicPr>
-            <a:picLocks noChangeAspect="1"/>
-          </p:cNvPicPr>
-          <p:nvPr/>
-        </p:nvPicPr>
-        <p:blipFill>
-          <a:blip r:embed="rId4"/>
-          <a:stretch>
-            <a:fillRect/>
-          </a:stretch>
-        </p:blipFill>
-        <p:spPr>
-          <a:xfrm>
-            <a:off x="3092866" y="2416811"/>
-            <a:ext cx="8792198" cy="2679783"/>
-          </a:xfrm>
-          <a:prstGeom prst="rect">
-            <a:avLst/>
-          </a:prstGeom>
+            <a:ext cx="2787162" cy="6871948"/>
+          </a:xfrm>
         </p:spPr>
       </p:pic>
     </p:spTree>
     <p:extLst>
       <p:ext uri="{BB962C8B-B14F-4D97-AF65-F5344CB8AC3E}">
-        <p14:creationId xmlns:p14="http://schemas.microsoft.com/office/powerpoint/2010/main" val="3724958302"/>
+        <p14:creationId xmlns:p14="http://schemas.microsoft.com/office/powerpoint/2010/main" val="148049718"/>
       </p:ext>
     </p:extLst>
   </p:cSld>
